--- a/그룹프로젝트_er.pptx
+++ b/그룹프로젝트_er.pptx
@@ -210,7 +210,7 @@
           <a:p>
             <a:fld id="{647BB30D-7F42-4376-85B5-0E86E5E273EC}" type="datetimeFigureOut">
               <a:rPr lang="ko-KR" altLang="en-US" smtClean="0"/>
-              <a:t>2023-05-30</a:t>
+              <a:t>2023-05-31</a:t>
             </a:fld>
             <a:endParaRPr lang="ko-KR" altLang="en-US"/>
           </a:p>
@@ -708,7 +708,7 @@
           <a:p>
             <a:fld id="{087CC108-96BC-45BF-AD40-AF576DA9E9C1}" type="datetimeFigureOut">
               <a:rPr lang="ko-KR" altLang="en-US" smtClean="0"/>
-              <a:t>2023-05-30</a:t>
+              <a:t>2023-05-31</a:t>
             </a:fld>
             <a:endParaRPr lang="ko-KR" altLang="en-US"/>
           </a:p>
@@ -906,7 +906,7 @@
           <a:p>
             <a:fld id="{087CC108-96BC-45BF-AD40-AF576DA9E9C1}" type="datetimeFigureOut">
               <a:rPr lang="ko-KR" altLang="en-US" smtClean="0"/>
-              <a:t>2023-05-30</a:t>
+              <a:t>2023-05-31</a:t>
             </a:fld>
             <a:endParaRPr lang="ko-KR" altLang="en-US"/>
           </a:p>
@@ -1114,7 +1114,7 @@
           <a:p>
             <a:fld id="{087CC108-96BC-45BF-AD40-AF576DA9E9C1}" type="datetimeFigureOut">
               <a:rPr lang="ko-KR" altLang="en-US" smtClean="0"/>
-              <a:t>2023-05-30</a:t>
+              <a:t>2023-05-31</a:t>
             </a:fld>
             <a:endParaRPr lang="ko-KR" altLang="en-US"/>
           </a:p>
@@ -1312,7 +1312,7 @@
           <a:p>
             <a:fld id="{087CC108-96BC-45BF-AD40-AF576DA9E9C1}" type="datetimeFigureOut">
               <a:rPr lang="ko-KR" altLang="en-US" smtClean="0"/>
-              <a:t>2023-05-30</a:t>
+              <a:t>2023-05-31</a:t>
             </a:fld>
             <a:endParaRPr lang="ko-KR" altLang="en-US"/>
           </a:p>
@@ -1587,7 +1587,7 @@
           <a:p>
             <a:fld id="{087CC108-96BC-45BF-AD40-AF576DA9E9C1}" type="datetimeFigureOut">
               <a:rPr lang="ko-KR" altLang="en-US" smtClean="0"/>
-              <a:t>2023-05-30</a:t>
+              <a:t>2023-05-31</a:t>
             </a:fld>
             <a:endParaRPr lang="ko-KR" altLang="en-US"/>
           </a:p>
@@ -1852,7 +1852,7 @@
           <a:p>
             <a:fld id="{087CC108-96BC-45BF-AD40-AF576DA9E9C1}" type="datetimeFigureOut">
               <a:rPr lang="ko-KR" altLang="en-US" smtClean="0"/>
-              <a:t>2023-05-30</a:t>
+              <a:t>2023-05-31</a:t>
             </a:fld>
             <a:endParaRPr lang="ko-KR" altLang="en-US"/>
           </a:p>
@@ -2264,7 +2264,7 @@
           <a:p>
             <a:fld id="{087CC108-96BC-45BF-AD40-AF576DA9E9C1}" type="datetimeFigureOut">
               <a:rPr lang="ko-KR" altLang="en-US" smtClean="0"/>
-              <a:t>2023-05-30</a:t>
+              <a:t>2023-05-31</a:t>
             </a:fld>
             <a:endParaRPr lang="ko-KR" altLang="en-US"/>
           </a:p>
@@ -2405,7 +2405,7 @@
           <a:p>
             <a:fld id="{087CC108-96BC-45BF-AD40-AF576DA9E9C1}" type="datetimeFigureOut">
               <a:rPr lang="ko-KR" altLang="en-US" smtClean="0"/>
-              <a:t>2023-05-30</a:t>
+              <a:t>2023-05-31</a:t>
             </a:fld>
             <a:endParaRPr lang="ko-KR" altLang="en-US"/>
           </a:p>
@@ -2518,7 +2518,7 @@
           <a:p>
             <a:fld id="{087CC108-96BC-45BF-AD40-AF576DA9E9C1}" type="datetimeFigureOut">
               <a:rPr lang="ko-KR" altLang="en-US" smtClean="0"/>
-              <a:t>2023-05-30</a:t>
+              <a:t>2023-05-31</a:t>
             </a:fld>
             <a:endParaRPr lang="ko-KR" altLang="en-US"/>
           </a:p>
@@ -2829,7 +2829,7 @@
           <a:p>
             <a:fld id="{087CC108-96BC-45BF-AD40-AF576DA9E9C1}" type="datetimeFigureOut">
               <a:rPr lang="ko-KR" altLang="en-US" smtClean="0"/>
-              <a:t>2023-05-30</a:t>
+              <a:t>2023-05-31</a:t>
             </a:fld>
             <a:endParaRPr lang="ko-KR" altLang="en-US"/>
           </a:p>
@@ -3117,7 +3117,7 @@
           <a:p>
             <a:fld id="{087CC108-96BC-45BF-AD40-AF576DA9E9C1}" type="datetimeFigureOut">
               <a:rPr lang="ko-KR" altLang="en-US" smtClean="0"/>
-              <a:t>2023-05-30</a:t>
+              <a:t>2023-05-31</a:t>
             </a:fld>
             <a:endParaRPr lang="ko-KR" altLang="en-US"/>
           </a:p>
@@ -3358,7 +3358,7 @@
           <a:p>
             <a:fld id="{087CC108-96BC-45BF-AD40-AF576DA9E9C1}" type="datetimeFigureOut">
               <a:rPr lang="ko-KR" altLang="en-US" smtClean="0"/>
-              <a:t>2023-05-30</a:t>
+              <a:t>2023-05-31</a:t>
             </a:fld>
             <a:endParaRPr lang="ko-KR" altLang="en-US"/>
           </a:p>
@@ -8645,7 +8645,7 @@
           <p:nvPr>
             <p:extLst>
               <p:ext uri="{D42A27DB-BD31-4B8C-83A1-F6EECF244321}">
-                <p14:modId xmlns:p14="http://schemas.microsoft.com/office/powerpoint/2010/main" val="1028183236"/>
+                <p14:modId xmlns:p14="http://schemas.microsoft.com/office/powerpoint/2010/main" val="1689883992"/>
               </p:ext>
             </p:extLst>
           </p:nvPr>
@@ -9261,7 +9261,7 @@
                     <a:p>
                       <a:pPr algn="l" fontAlgn="ctr"/>
                       <a:r>
-                        <a:rPr lang="ko-KR" altLang="en-US" sz="900" b="0" i="0" u="none" strike="noStrike">
+                        <a:rPr lang="ko-KR" altLang="en-US" sz="900" b="0" i="0" u="none" strike="noStrike" dirty="0">
                           <a:solidFill>
                             <a:srgbClr val="000000"/>
                           </a:solidFill>
@@ -9272,7 +9272,7 @@
                         <a:t>대화의 상태</a:t>
                       </a:r>
                       <a:r>
-                        <a:rPr lang="en-US" altLang="ko-KR" sz="900" b="0" i="0" u="none" strike="noStrike">
+                        <a:rPr lang="en-US" altLang="ko-KR" sz="900" b="0" i="0" u="none" strike="noStrike" dirty="0">
                           <a:solidFill>
                             <a:srgbClr val="000000"/>
                           </a:solidFill>
@@ -9283,7 +9283,7 @@
                         <a:t>. 0</a:t>
                       </a:r>
                       <a:r>
-                        <a:rPr lang="ko-KR" altLang="en-US" sz="900" b="0" i="0" u="none" strike="noStrike">
+                        <a:rPr lang="ko-KR" altLang="en-US" sz="900" b="0" i="0" u="none" strike="noStrike" dirty="0">
                           <a:solidFill>
                             <a:srgbClr val="000000"/>
                           </a:solidFill>
@@ -9294,7 +9294,7 @@
                         <a:t>은 </a:t>
                       </a:r>
                       <a:r>
-                        <a:rPr lang="en-US" altLang="ko-KR" sz="900" b="0" i="0" u="none" strike="noStrike">
+                        <a:rPr lang="en-US" altLang="ko-KR" sz="900" b="0" i="0" u="none" strike="noStrike" dirty="0">
                           <a:solidFill>
                             <a:srgbClr val="000000"/>
                           </a:solidFill>
@@ -9305,7 +9305,7 @@
                         <a:t>closed, 1</a:t>
                       </a:r>
                       <a:r>
-                        <a:rPr lang="ko-KR" altLang="en-US" sz="900" b="0" i="0" u="none" strike="noStrike">
+                        <a:rPr lang="ko-KR" altLang="en-US" sz="900" b="0" i="0" u="none" strike="noStrike" dirty="0">
                           <a:solidFill>
                             <a:srgbClr val="000000"/>
                           </a:solidFill>
@@ -9324,96 +9324,16 @@
                           <a:latin typeface="맑은 고딕" panose="020B0503020000020004" pitchFamily="50" charset="-127"/>
                           <a:ea typeface="맑은 고딕" panose="020B0503020000020004" pitchFamily="50" charset="-127"/>
                         </a:rPr>
-                        <a:t>open, 2</a:t>
-                      </a:r>
-                      <a:r>
-                        <a:rPr lang="ko-KR" altLang="en-US" sz="900" b="0" i="0" u="none" strike="noStrike">
-                          <a:solidFill>
-                            <a:srgbClr val="000000"/>
-                          </a:solidFill>
-                          <a:effectLst/>
-                          <a:latin typeface="맑은 고딕" panose="020B0503020000020004" pitchFamily="50" charset="-127"/>
-                          <a:ea typeface="맑은 고딕" panose="020B0503020000020004" pitchFamily="50" charset="-127"/>
-                        </a:rPr>
-                        <a:t>는 </a:t>
-                      </a:r>
-                      <a:r>
-                        <a:rPr lang="en-US" altLang="ko-KR" sz="900" b="0" i="0" u="none" strike="noStrike">
-                          <a:solidFill>
-                            <a:srgbClr val="000000"/>
-                          </a:solidFill>
-                          <a:effectLst/>
-                          <a:latin typeface="맑은 고딕" panose="020B0503020000020004" pitchFamily="50" charset="-127"/>
-                          <a:ea typeface="맑은 고딕" panose="020B0503020000020004" pitchFamily="50" charset="-127"/>
-                        </a:rPr>
-                        <a:t>waiting(</a:t>
-                      </a:r>
-                      <a:r>
-                        <a:rPr lang="ko-KR" altLang="en-US" sz="900" b="0" i="0" u="none" strike="noStrike">
-                          <a:solidFill>
-                            <a:srgbClr val="000000"/>
-                          </a:solidFill>
-                          <a:effectLst/>
-                          <a:latin typeface="맑은 고딕" panose="020B0503020000020004" pitchFamily="50" charset="-127"/>
-                          <a:ea typeface="맑은 고딕" panose="020B0503020000020004" pitchFamily="50" charset="-127"/>
-                        </a:rPr>
-                        <a:t>답변대기</a:t>
-                      </a:r>
-                      <a:r>
-                        <a:rPr lang="en-US" altLang="ko-KR" sz="900" b="0" i="0" u="none" strike="noStrike">
-                          <a:solidFill>
-                            <a:srgbClr val="000000"/>
-                          </a:solidFill>
-                          <a:effectLst/>
-                          <a:latin typeface="맑은 고딕" panose="020B0503020000020004" pitchFamily="50" charset="-127"/>
-                          <a:ea typeface="맑은 고딕" panose="020B0503020000020004" pitchFamily="50" charset="-127"/>
-                        </a:rPr>
-                        <a:t>), 3</a:t>
-                      </a:r>
-                      <a:r>
-                        <a:rPr lang="ko-KR" altLang="en-US" sz="900" b="0" i="0" u="none" strike="noStrike">
-                          <a:solidFill>
-                            <a:srgbClr val="000000"/>
-                          </a:solidFill>
-                          <a:effectLst/>
-                          <a:latin typeface="맑은 고딕" panose="020B0503020000020004" pitchFamily="50" charset="-127"/>
-                          <a:ea typeface="맑은 고딕" panose="020B0503020000020004" pitchFamily="50" charset="-127"/>
-                        </a:rPr>
-                        <a:t>은 </a:t>
-                      </a:r>
-                      <a:r>
-                        <a:rPr lang="en-US" altLang="ko-KR" sz="900" b="0" i="0" u="none" strike="noStrike">
-                          <a:solidFill>
-                            <a:srgbClr val="000000"/>
-                          </a:solidFill>
-                          <a:effectLst/>
-                          <a:latin typeface="맑은 고딕" panose="020B0503020000020004" pitchFamily="50" charset="-127"/>
-                          <a:ea typeface="맑은 고딕" panose="020B0503020000020004" pitchFamily="50" charset="-127"/>
-                        </a:rPr>
-                        <a:t>hold(</a:t>
-                      </a:r>
-                      <a:r>
-                        <a:rPr lang="ko-KR" altLang="en-US" sz="900" b="0" i="0" u="none" strike="noStrike">
-                          <a:solidFill>
-                            <a:srgbClr val="000000"/>
-                          </a:solidFill>
-                          <a:effectLst/>
-                          <a:latin typeface="맑은 고딕" panose="020B0503020000020004" pitchFamily="50" charset="-127"/>
-                          <a:ea typeface="맑은 고딕" panose="020B0503020000020004" pitchFamily="50" charset="-127"/>
-                        </a:rPr>
-                        <a:t>일시정지</a:t>
-                      </a:r>
-                      <a:r>
-                        <a:rPr lang="en-US" altLang="ko-KR" sz="900" b="0" i="0" u="none" strike="noStrike">
-                          <a:solidFill>
-                            <a:srgbClr val="000000"/>
-                          </a:solidFill>
-                          <a:effectLst/>
-                          <a:latin typeface="맑은 고딕" panose="020B0503020000020004" pitchFamily="50" charset="-127"/>
-                          <a:ea typeface="맑은 고딕" panose="020B0503020000020004" pitchFamily="50" charset="-127"/>
-                        </a:rPr>
-                        <a:t>)</a:t>
-                      </a:r>
+                        <a:t>open</a:t>
+                      </a:r>
+                      <a:endParaRPr lang="en-US" altLang="ko-KR" sz="900" b="0" i="0" u="none" strike="noStrike" dirty="0">
+                        <a:solidFill>
+                          <a:srgbClr val="000000"/>
+                        </a:solidFill>
+                        <a:effectLst/>
+                        <a:latin typeface="맑은 고딕" panose="020B0503020000020004" pitchFamily="50" charset="-127"/>
+                        <a:ea typeface="맑은 고딕" panose="020B0503020000020004" pitchFamily="50" charset="-127"/>
+                      </a:endParaRPr>
                     </a:p>
                   </a:txBody>
                   <a:tcPr marL="9525" marR="9525" marT="9525" marB="0" anchor="ctr"/>
@@ -9564,7 +9484,7 @@
                     <a:p>
                       <a:pPr algn="l" fontAlgn="ctr"/>
                       <a:r>
-                        <a:rPr lang="ko-KR" altLang="en-US" sz="900" b="0" i="0" u="none" strike="noStrike">
+                        <a:rPr lang="ko-KR" altLang="en-US" sz="900" b="0" i="0" u="none" strike="noStrike" dirty="0">
                           <a:solidFill>
                             <a:srgbClr val="000000"/>
                           </a:solidFill>
@@ -13660,7 +13580,7 @@
                     <a:p>
                       <a:pPr algn="ctr" fontAlgn="ctr"/>
                       <a:r>
-                        <a:rPr lang="en-US" sz="900" b="0" i="0" u="none" strike="noStrike">
+                        <a:rPr lang="en-US" sz="900" b="0" i="0" u="none" strike="noStrike" dirty="0">
                           <a:solidFill>
                             <a:srgbClr val="000000"/>
                           </a:solidFill>
@@ -18508,70 +18428,6 @@
           </p:sp>
           <p:sp>
             <p:nvSpPr>
-              <p:cNvPr id="54" name="타원 53">
-                <a:extLst>
-                  <a:ext uri="{FF2B5EF4-FFF2-40B4-BE49-F238E27FC236}">
-                    <a16:creationId xmlns:a16="http://schemas.microsoft.com/office/drawing/2014/main" id="{F704633E-92BB-4B90-3937-E8CE0F4FA347}"/>
-                  </a:ext>
-                </a:extLst>
-              </p:cNvPr>
-              <p:cNvSpPr/>
-              <p:nvPr/>
-            </p:nvSpPr>
-            <p:spPr>
-              <a:xfrm>
-                <a:off x="3716735" y="2455021"/>
-                <a:ext cx="1057835" cy="553762"/>
-              </a:xfrm>
-              <a:prstGeom prst="ellipse">
-                <a:avLst/>
-              </a:prstGeom>
-              <a:solidFill>
-                <a:schemeClr val="accent6">
-                  <a:lumMod val="60000"/>
-                  <a:lumOff val="40000"/>
-                </a:schemeClr>
-              </a:solidFill>
-            </p:spPr>
-            <p:style>
-              <a:lnRef idx="2">
-                <a:schemeClr val="accent6">
-                  <a:shade val="50000"/>
-                </a:schemeClr>
-              </a:lnRef>
-              <a:fillRef idx="1">
-                <a:schemeClr val="accent6"/>
-              </a:fillRef>
-              <a:effectRef idx="0">
-                <a:schemeClr val="accent6"/>
-              </a:effectRef>
-              <a:fontRef idx="minor">
-                <a:schemeClr val="lt1"/>
-              </a:fontRef>
-            </p:style>
-            <p:txBody>
-              <a:bodyPr rtlCol="0" anchor="ctr"/>
-              <a:lstStyle/>
-              <a:p>
-                <a:pPr algn="ctr"/>
-                <a:r>
-                  <a:rPr lang="en-US" altLang="ko-KR" sz="1000" b="1" dirty="0">
-                    <a:solidFill>
-                      <a:schemeClr val="tx1"/>
-                    </a:solidFill>
-                  </a:rPr>
-                  <a:t>title</a:t>
-                </a:r>
-                <a:endParaRPr lang="ko-KR" altLang="en-US" sz="1000" b="1" dirty="0">
-                  <a:solidFill>
-                    <a:schemeClr val="tx1"/>
-                  </a:solidFill>
-                </a:endParaRPr>
-              </a:p>
-            </p:txBody>
-          </p:sp>
-          <p:sp>
-            <p:nvSpPr>
               <p:cNvPr id="55" name="타원 54">
                 <a:extLst>
                   <a:ext uri="{FF2B5EF4-FFF2-40B4-BE49-F238E27FC236}">
@@ -19689,45 +19545,6 @@
           </p:cxnSp>
           <p:cxnSp>
             <p:nvCxnSpPr>
-              <p:cNvPr id="86" name="직선 연결선 85">
-                <a:extLst>
-                  <a:ext uri="{FF2B5EF4-FFF2-40B4-BE49-F238E27FC236}">
-                    <a16:creationId xmlns:a16="http://schemas.microsoft.com/office/drawing/2014/main" id="{7375F989-4C08-428E-83A6-C8E6DA7B89D7}"/>
-                  </a:ext>
-                </a:extLst>
-              </p:cNvPr>
-              <p:cNvCxnSpPr>
-                <a:cxnSpLocks/>
-                <a:stCxn id="54" idx="6"/>
-              </p:cNvCxnSpPr>
-              <p:nvPr/>
-            </p:nvCxnSpPr>
-            <p:spPr>
-              <a:xfrm>
-                <a:off x="4774570" y="2731902"/>
-                <a:ext cx="686602" cy="291036"/>
-              </a:xfrm>
-              <a:prstGeom prst="line">
-                <a:avLst/>
-              </a:prstGeom>
-            </p:spPr>
-            <p:style>
-              <a:lnRef idx="1">
-                <a:schemeClr val="dk1"/>
-              </a:lnRef>
-              <a:fillRef idx="0">
-                <a:schemeClr val="dk1"/>
-              </a:fillRef>
-              <a:effectRef idx="0">
-                <a:schemeClr val="dk1"/>
-              </a:effectRef>
-              <a:fontRef idx="minor">
-                <a:schemeClr val="tx1"/>
-              </a:fontRef>
-            </p:style>
-          </p:cxnSp>
-          <p:cxnSp>
-            <p:nvCxnSpPr>
               <p:cNvPr id="89" name="직선 연결선 88">
                 <a:extLst>
                   <a:ext uri="{FF2B5EF4-FFF2-40B4-BE49-F238E27FC236}">
@@ -19782,8 +19599,8 @@
             </p:nvCxnSpPr>
             <p:spPr>
               <a:xfrm flipH="1">
-                <a:off x="6662055" y="2731902"/>
-                <a:ext cx="696237" cy="274874"/>
+                <a:off x="6657170" y="2731903"/>
+                <a:ext cx="701122" cy="416259"/>
               </a:xfrm>
               <a:prstGeom prst="line">
                 <a:avLst/>
@@ -19860,8 +19677,8 @@
             </p:nvCxnSpPr>
             <p:spPr>
               <a:xfrm flipH="1" flipV="1">
-                <a:off x="6662057" y="3687800"/>
-                <a:ext cx="696235" cy="272158"/>
+                <a:off x="6657170" y="3509290"/>
+                <a:ext cx="701122" cy="450669"/>
               </a:xfrm>
               <a:prstGeom prst="line">
                 <a:avLst/>
